--- a/08-participatory-budgeting/slides-1-budget-discrete.pptx
+++ b/08-participatory-budgeting/slides-1-budget-discrete.pptx
@@ -263,7 +263,7 @@
           <a:p>
             <a:fld id="{DC548CFC-330B-4E13-8594-C7215081A49A}" type="datetimeFigureOut">
               <a:rPr lang="en-US" smtClean="0"/>
-              <a:t>2/19/2024</a:t>
+              <a:t>2/20/2024</a:t>
             </a:fld>
             <a:endParaRPr lang="en-US"/>
           </a:p>
@@ -433,7 +433,7 @@
           <a:p>
             <a:fld id="{DC548CFC-330B-4E13-8594-C7215081A49A}" type="datetimeFigureOut">
               <a:rPr lang="en-US" smtClean="0"/>
-              <a:t>2/19/2024</a:t>
+              <a:t>2/20/2024</a:t>
             </a:fld>
             <a:endParaRPr lang="en-US"/>
           </a:p>
@@ -613,7 +613,7 @@
           <a:p>
             <a:fld id="{DC548CFC-330B-4E13-8594-C7215081A49A}" type="datetimeFigureOut">
               <a:rPr lang="en-US" smtClean="0"/>
-              <a:t>2/19/2024</a:t>
+              <a:t>2/20/2024</a:t>
             </a:fld>
             <a:endParaRPr lang="en-US"/>
           </a:p>
@@ -783,7 +783,7 @@
           <a:p>
             <a:fld id="{DC548CFC-330B-4E13-8594-C7215081A49A}" type="datetimeFigureOut">
               <a:rPr lang="en-US" smtClean="0"/>
-              <a:t>2/19/2024</a:t>
+              <a:t>2/20/2024</a:t>
             </a:fld>
             <a:endParaRPr lang="en-US"/>
           </a:p>
@@ -1027,7 +1027,7 @@
           <a:p>
             <a:fld id="{DC548CFC-330B-4E13-8594-C7215081A49A}" type="datetimeFigureOut">
               <a:rPr lang="en-US" smtClean="0"/>
-              <a:t>2/19/2024</a:t>
+              <a:t>2/20/2024</a:t>
             </a:fld>
             <a:endParaRPr lang="en-US"/>
           </a:p>
@@ -1259,7 +1259,7 @@
           <a:p>
             <a:fld id="{DC548CFC-330B-4E13-8594-C7215081A49A}" type="datetimeFigureOut">
               <a:rPr lang="en-US" smtClean="0"/>
-              <a:t>2/19/2024</a:t>
+              <a:t>2/20/2024</a:t>
             </a:fld>
             <a:endParaRPr lang="en-US"/>
           </a:p>
@@ -1626,7 +1626,7 @@
           <a:p>
             <a:fld id="{DC548CFC-330B-4E13-8594-C7215081A49A}" type="datetimeFigureOut">
               <a:rPr lang="en-US" smtClean="0"/>
-              <a:t>2/19/2024</a:t>
+              <a:t>2/20/2024</a:t>
             </a:fld>
             <a:endParaRPr lang="en-US"/>
           </a:p>
@@ -1744,7 +1744,7 @@
           <a:p>
             <a:fld id="{DC548CFC-330B-4E13-8594-C7215081A49A}" type="datetimeFigureOut">
               <a:rPr lang="en-US" smtClean="0"/>
-              <a:t>2/19/2024</a:t>
+              <a:t>2/20/2024</a:t>
             </a:fld>
             <a:endParaRPr lang="en-US"/>
           </a:p>
@@ -1839,7 +1839,7 @@
           <a:p>
             <a:fld id="{DC548CFC-330B-4E13-8594-C7215081A49A}" type="datetimeFigureOut">
               <a:rPr lang="en-US" smtClean="0"/>
-              <a:t>2/19/2024</a:t>
+              <a:t>2/20/2024</a:t>
             </a:fld>
             <a:endParaRPr lang="en-US"/>
           </a:p>
@@ -2116,7 +2116,7 @@
           <a:p>
             <a:fld id="{DC548CFC-330B-4E13-8594-C7215081A49A}" type="datetimeFigureOut">
               <a:rPr lang="en-US" smtClean="0"/>
-              <a:t>2/19/2024</a:t>
+              <a:t>2/20/2024</a:t>
             </a:fld>
             <a:endParaRPr lang="en-US"/>
           </a:p>
@@ -2373,7 +2373,7 @@
           <a:p>
             <a:fld id="{DC548CFC-330B-4E13-8594-C7215081A49A}" type="datetimeFigureOut">
               <a:rPr lang="en-US" smtClean="0"/>
-              <a:t>2/19/2024</a:t>
+              <a:t>2/20/2024</a:t>
             </a:fld>
             <a:endParaRPr lang="en-US"/>
           </a:p>
@@ -2586,7 +2586,7 @@
           <a:p>
             <a:fld id="{DC548CFC-330B-4E13-8594-C7215081A49A}" type="datetimeFigureOut">
               <a:rPr lang="en-US" smtClean="0"/>
-              <a:t>2/19/2024</a:t>
+              <a:t>2/20/2024</a:t>
             </a:fld>
             <a:endParaRPr lang="en-US"/>
           </a:p>
@@ -11298,7 +11298,7 @@
                 <a:ea typeface="Calibri" panose="020F0502020204030204" pitchFamily="34" charset="0"/>
                 <a:cs typeface="David" panose="020E0502060401010101" pitchFamily="34" charset="-79"/>
               </a:rPr>
-              <a:t>כל אחד מ-51 התומכים של מועמד א משלם </a:t>
+              <a:t>כל אחד מ-51 התומכים של מועמד ב משלם </a:t>
             </a:r>
             <a:r>
               <a:rPr lang="en-US" sz="2000">
@@ -12514,7 +12514,7 @@
             </a:r>
             <a:r>
               <a:rPr lang="he-IL" sz="3200"/>
-              <a:t>-אחידה הוא </a:t>
+              <a:t>-אחידה הוא לפחות </a:t>
             </a:r>
             <a:r>
               <a:rPr lang="en-US" sz="3200"/>
